--- a/Research/Meeting/2024-09-29 - Status/2024-09-29-Status Meeting.pptx
+++ b/Research/Meeting/2024-09-29 - Status/2024-09-29-Status Meeting.pptx
@@ -642,7 +642,7 @@
   <pc:docChgLst>
     <pc:chgData name="Renato Espirito Basso Poli" userId="dc570be7-1e84-40aa-a0eb-c0f6f2f777cb" providerId="ADAL" clId="{090AD78F-CB9B-41B4-8674-E963B7EC640B}"/>
     <pc:docChg chg="undo custSel addSld delSld modSld">
-      <pc:chgData name="Renato Espirito Basso Poli" userId="dc570be7-1e84-40aa-a0eb-c0f6f2f777cb" providerId="ADAL" clId="{090AD78F-CB9B-41B4-8674-E963B7EC640B}" dt="2024-09-28T20:57:25.722" v="2204" actId="20577"/>
+      <pc:chgData name="Renato Espirito Basso Poli" userId="dc570be7-1e84-40aa-a0eb-c0f6f2f777cb" providerId="ADAL" clId="{090AD78F-CB9B-41B4-8674-E963B7EC640B}" dt="2024-09-29T18:21:40.548" v="2547" actId="108"/>
       <pc:docMkLst>
         <pc:docMk/>
       </pc:docMkLst>
@@ -997,7 +997,7 @@
         </pc:spChg>
       </pc:sldChg>
       <pc:sldChg chg="modSp add mod">
-        <pc:chgData name="Renato Espirito Basso Poli" userId="dc570be7-1e84-40aa-a0eb-c0f6f2f777cb" providerId="ADAL" clId="{090AD78F-CB9B-41B4-8674-E963B7EC640B}" dt="2024-09-28T20:54:14.074" v="2149" actId="14100"/>
+        <pc:chgData name="Renato Espirito Basso Poli" userId="dc570be7-1e84-40aa-a0eb-c0f6f2f777cb" providerId="ADAL" clId="{090AD78F-CB9B-41B4-8674-E963B7EC640B}" dt="2024-09-29T18:21:40.548" v="2547" actId="108"/>
         <pc:sldMkLst>
           <pc:docMk/>
           <pc:sldMk cId="2543578173" sldId="1397"/>
@@ -1008,6 +1008,22 @@
             <pc:docMk/>
             <pc:sldMk cId="2543578173" sldId="1397"/>
             <ac:spMk id="2" creationId="{AC679C41-2EBA-4D6D-18A3-2D71A03115ED}"/>
+          </ac:spMkLst>
+        </pc:spChg>
+        <pc:spChg chg="mod">
+          <ac:chgData name="Renato Espirito Basso Poli" userId="dc570be7-1e84-40aa-a0eb-c0f6f2f777cb" providerId="ADAL" clId="{090AD78F-CB9B-41B4-8674-E963B7EC640B}" dt="2024-09-29T18:20:28.743" v="2460" actId="404"/>
+          <ac:spMkLst>
+            <pc:docMk/>
+            <pc:sldMk cId="2543578173" sldId="1397"/>
+            <ac:spMk id="3" creationId="{EE2133D6-AAD8-8818-C3AB-32319212695B}"/>
+          </ac:spMkLst>
+        </pc:spChg>
+        <pc:spChg chg="mod">
+          <ac:chgData name="Renato Espirito Basso Poli" userId="dc570be7-1e84-40aa-a0eb-c0f6f2f777cb" providerId="ADAL" clId="{090AD78F-CB9B-41B4-8674-E963B7EC640B}" dt="2024-09-29T18:21:40.548" v="2547" actId="108"/>
+          <ac:spMkLst>
+            <pc:docMk/>
+            <pc:sldMk cId="2543578173" sldId="1397"/>
+            <ac:spMk id="4" creationId="{F773A506-6666-BD7E-0557-450406AB6760}"/>
           </ac:spMkLst>
         </pc:spChg>
       </pc:sldChg>
@@ -3522,7 +3538,7 @@
           <a:p>
             <a:fld id="{584E71AC-77E2-44B1-8F2C-636546E678CC}" type="datetimeFigureOut">
               <a:rPr lang="en-US" smtClean="0"/>
-              <a:t>9/28/2024</a:t>
+              <a:t>9/29/2024</a:t>
             </a:fld>
             <a:endParaRPr lang="en-US"/>
           </a:p>
@@ -7428,8 +7444,8 @@
           <a:chExt cx="0" cy="0"/>
         </a:xfrm>
       </p:grpSpPr>
-      <mc:AlternateContent xmlns:mc="http://schemas.openxmlformats.org/markup-compatibility/2006">
-        <mc:Choice xmlns:a14="http://schemas.microsoft.com/office/drawing/2010/main" Requires="a14">
+      <mc:AlternateContent xmlns:mc="http://schemas.openxmlformats.org/markup-compatibility/2006" xmlns:a14="http://schemas.microsoft.com/office/drawing/2010/main">
+        <mc:Choice Requires="a14">
           <p:graphicFrame>
             <p:nvGraphicFramePr>
               <p:cNvPr id="4" name="Table 3">
@@ -8245,7 +8261,7 @@
             </a:graphic>
           </p:graphicFrame>
         </mc:Choice>
-        <mc:Fallback>
+        <mc:Fallback xmlns="">
           <p:graphicFrame>
             <p:nvGraphicFramePr>
               <p:cNvPr id="4" name="Table 3">
@@ -9672,8 +9688,11 @@
         <p:spPr>
           <a:xfrm>
             <a:off x="346075" y="1476815"/>
-            <a:ext cx="11499849" cy="3908762"/>
+            <a:ext cx="11499849" cy="4351961"/>
           </a:xfrm>
+          <a:solidFill>
+            <a:schemeClr val="bg1"/>
+          </a:solidFill>
         </p:spPr>
         <p:txBody>
           <a:bodyPr/>
@@ -9683,279 +9702,294 @@
               <a:buNone/>
             </a:pPr>
             <a:r>
-              <a:rPr lang="pt-BR" sz="2000" dirty="0"/>
-              <a:t>[</a:t>
-            </a:r>
-            <a:r>
-              <a:rPr lang="pt-BR" sz="2000" dirty="0" err="1"/>
-              <a:t>yyyy</a:t>
-            </a:r>
-            <a:r>
-              <a:rPr lang="pt-BR" sz="2000" dirty="0"/>
-              <a:t>]-[</a:t>
-            </a:r>
-            <a:r>
-              <a:rPr lang="pt-BR" sz="2000" dirty="0" err="1"/>
-              <a:t>Student-Name</a:t>
-            </a:r>
-            <a:r>
-              <a:rPr lang="pt-BR" sz="2000" dirty="0"/>
-              <a:t>]		</a:t>
-            </a:r>
-            <a:r>
-              <a:rPr lang="pt-BR" sz="1400" dirty="0">
-                <a:sym typeface="Wingdings" panose="05000000000000000000" pitchFamily="2" charset="2"/>
-              </a:rPr>
-              <a:t> [</a:t>
-            </a:r>
-            <a:r>
-              <a:rPr lang="pt-BR" sz="1400" dirty="0" err="1">
-                <a:sym typeface="Wingdings" panose="05000000000000000000" pitchFamily="2" charset="2"/>
-              </a:rPr>
-              <a:t>yyyy</a:t>
-            </a:r>
-            <a:r>
-              <a:rPr lang="pt-BR" sz="1400" dirty="0">
-                <a:sym typeface="Wingdings" panose="05000000000000000000" pitchFamily="2" charset="2"/>
-              </a:rPr>
-              <a:t>] </a:t>
-            </a:r>
-            <a:r>
-              <a:rPr lang="pt-BR" sz="1400" dirty="0" err="1">
-                <a:sym typeface="Wingdings" panose="05000000000000000000" pitchFamily="2" charset="2"/>
-              </a:rPr>
-              <a:t>is</a:t>
-            </a:r>
-            <a:r>
-              <a:rPr lang="pt-BR" sz="1400" dirty="0">
-                <a:sym typeface="Wingdings" panose="05000000000000000000" pitchFamily="2" charset="2"/>
-              </a:rPr>
-              <a:t> </a:t>
-            </a:r>
-            <a:r>
-              <a:rPr lang="pt-BR" sz="1400" dirty="0" err="1">
-                <a:sym typeface="Wingdings" panose="05000000000000000000" pitchFamily="2" charset="2"/>
-              </a:rPr>
-              <a:t>the</a:t>
-            </a:r>
-            <a:r>
-              <a:rPr lang="pt-BR" sz="1400" dirty="0">
-                <a:sym typeface="Wingdings" panose="05000000000000000000" pitchFamily="2" charset="2"/>
-              </a:rPr>
-              <a:t> </a:t>
-            </a:r>
-            <a:r>
-              <a:rPr lang="pt-BR" sz="1400" dirty="0" err="1">
-                <a:sym typeface="Wingdings" panose="05000000000000000000" pitchFamily="2" charset="2"/>
-              </a:rPr>
-              <a:t>expected</a:t>
-            </a:r>
-            <a:r>
-              <a:rPr lang="pt-BR" sz="1400" dirty="0">
-                <a:sym typeface="Wingdings" panose="05000000000000000000" pitchFamily="2" charset="2"/>
-              </a:rPr>
-              <a:t>/</a:t>
-            </a:r>
-            <a:r>
-              <a:rPr lang="pt-BR" sz="1400" dirty="0" err="1">
-                <a:sym typeface="Wingdings" panose="05000000000000000000" pitchFamily="2" charset="2"/>
-              </a:rPr>
-              <a:t>accomplished</a:t>
-            </a:r>
-            <a:r>
-              <a:rPr lang="pt-BR" sz="1400" dirty="0">
-                <a:sym typeface="Wingdings" panose="05000000000000000000" pitchFamily="2" charset="2"/>
-              </a:rPr>
-              <a:t> </a:t>
-            </a:r>
-            <a:r>
-              <a:rPr lang="pt-BR" sz="1400" dirty="0" err="1">
-                <a:sym typeface="Wingdings" panose="05000000000000000000" pitchFamily="2" charset="2"/>
-              </a:rPr>
-              <a:t>graduation</a:t>
-            </a:r>
-            <a:r>
-              <a:rPr lang="pt-BR" sz="1400" dirty="0">
-                <a:sym typeface="Wingdings" panose="05000000000000000000" pitchFamily="2" charset="2"/>
-              </a:rPr>
-              <a:t> </a:t>
-            </a:r>
-            <a:r>
-              <a:rPr lang="pt-BR" sz="1400" dirty="0" err="1">
-                <a:sym typeface="Wingdings" panose="05000000000000000000" pitchFamily="2" charset="2"/>
-              </a:rPr>
-              <a:t>year</a:t>
-            </a:r>
-            <a:endParaRPr lang="pt-BR" sz="1400" dirty="0">
-              <a:sym typeface="Wingdings" panose="05000000000000000000" pitchFamily="2" charset="2"/>
-            </a:endParaRPr>
+              <a:rPr lang="pt-BR" sz="1400" dirty="0"/>
+              <a:t>STUDENT/</a:t>
+            </a:r>
           </a:p>
           <a:p>
             <a:pPr marL="457200" lvl="1" indent="0">
               <a:buNone/>
             </a:pPr>
             <a:r>
-              <a:rPr lang="pt-BR" sz="1800" dirty="0">
+              <a:rPr lang="pt-BR" sz="1200" dirty="0"/>
+              <a:t>[</a:t>
+            </a:r>
+            <a:r>
+              <a:rPr lang="pt-BR" sz="1200" dirty="0" err="1"/>
+              <a:t>yyyy</a:t>
+            </a:r>
+            <a:r>
+              <a:rPr lang="pt-BR" sz="1200" dirty="0"/>
+              <a:t>]-[</a:t>
+            </a:r>
+            <a:r>
+              <a:rPr lang="pt-BR" sz="1200" dirty="0" err="1"/>
+              <a:t>Student-Name</a:t>
+            </a:r>
+            <a:r>
+              <a:rPr lang="pt-BR" sz="1200" dirty="0"/>
+              <a:t>]</a:t>
+            </a:r>
+            <a:endParaRPr lang="pt-BR" sz="1200" dirty="0">
+              <a:sym typeface="Wingdings" panose="05000000000000000000" pitchFamily="2" charset="2"/>
+            </a:endParaRPr>
+          </a:p>
+          <a:p>
+            <a:pPr marL="920750" lvl="2" indent="0">
+              <a:buNone/>
+            </a:pPr>
+            <a:r>
+              <a:rPr lang="pt-BR" sz="1100" dirty="0">
                 <a:sym typeface="Wingdings" panose="05000000000000000000" pitchFamily="2" charset="2"/>
               </a:rPr>
               <a:t>DISSERTATION/			</a:t>
             </a:r>
-            <a:endParaRPr lang="pt-BR" sz="1400" dirty="0">
-              <a:sym typeface="Wingdings" panose="05000000000000000000" pitchFamily="2" charset="2"/>
-            </a:endParaRPr>
-          </a:p>
-          <a:p>
-            <a:pPr marL="457200" lvl="1" indent="0">
+          </a:p>
+          <a:p>
+            <a:pPr marL="920750" lvl="2" indent="0">
               <a:buNone/>
             </a:pPr>
             <a:r>
-              <a:rPr lang="pt-BR" sz="1800" dirty="0"/>
+              <a:rPr lang="pt-BR" sz="1100" dirty="0"/>
               <a:t>FINAL REPORT/</a:t>
             </a:r>
           </a:p>
           <a:p>
-            <a:pPr marL="457200" lvl="1" indent="0">
+            <a:pPr marL="920750" lvl="2" indent="0">
               <a:buNone/>
             </a:pPr>
             <a:r>
-              <a:rPr lang="pt-BR" sz="1800" dirty="0"/>
+              <a:rPr lang="pt-BR" sz="1100" dirty="0"/>
               <a:t>THESIS/</a:t>
             </a:r>
           </a:p>
           <a:p>
-            <a:pPr marL="457200" lvl="1" indent="0">
+            <a:pPr marL="920750" lvl="2" indent="0">
               <a:buNone/>
             </a:pPr>
             <a:r>
-              <a:rPr lang="pt-BR" sz="1800" dirty="0"/>
-              <a:t>TALK/</a:t>
-            </a:r>
-          </a:p>
-          <a:p>
-            <a:pPr marL="1168400" lvl="2" indent="0">
+              <a:rPr lang="pt-BR" sz="1100" dirty="0"/>
+              <a:t>EVENT/</a:t>
+            </a:r>
+          </a:p>
+          <a:p>
+            <a:pPr marL="1612900" lvl="3" indent="0">
               <a:buNone/>
             </a:pPr>
             <a:r>
-              <a:rPr lang="pt-BR" sz="1600" dirty="0"/>
+              <a:rPr lang="pt-BR" sz="1050" dirty="0"/>
               <a:t>[</a:t>
             </a:r>
             <a:r>
-              <a:rPr lang="pt-BR" sz="1600" dirty="0" err="1"/>
+              <a:rPr lang="pt-BR" sz="1050" dirty="0" err="1"/>
               <a:t>yyyy</a:t>
             </a:r>
             <a:r>
-              <a:rPr lang="pt-BR" sz="1600" dirty="0"/>
+              <a:rPr lang="pt-BR" sz="1050" dirty="0"/>
               <a:t>]-[Event]-[Talk-</a:t>
             </a:r>
             <a:r>
-              <a:rPr lang="pt-BR" sz="1600" dirty="0" err="1"/>
+              <a:rPr lang="pt-BR" sz="1050" dirty="0" err="1"/>
               <a:t>Title</a:t>
             </a:r>
             <a:r>
-              <a:rPr lang="pt-BR" sz="1600" dirty="0"/>
+              <a:rPr lang="pt-BR" sz="1050" dirty="0"/>
               <a:t>]/</a:t>
             </a:r>
           </a:p>
           <a:p>
-            <a:pPr marL="457200" lvl="1" indent="0">
+            <a:pPr marL="920750" lvl="2" indent="0">
               <a:buNone/>
             </a:pPr>
             <a:r>
-              <a:rPr lang="pt-BR" sz="1800" dirty="0"/>
+              <a:rPr lang="pt-BR" sz="1100" dirty="0"/>
               <a:t>PAPER/</a:t>
             </a:r>
           </a:p>
           <a:p>
-            <a:pPr marL="1168400" lvl="2" indent="0">
+            <a:pPr marL="1612900" lvl="3" indent="0">
               <a:buNone/>
             </a:pPr>
             <a:r>
-              <a:rPr lang="pt-BR" sz="1600" dirty="0"/>
+              <a:rPr lang="pt-BR" sz="1050" dirty="0"/>
               <a:t>[</a:t>
             </a:r>
             <a:r>
-              <a:rPr lang="pt-BR" sz="1600" dirty="0" err="1"/>
+              <a:rPr lang="pt-BR" sz="1050" dirty="0" err="1"/>
               <a:t>yyyy</a:t>
             </a:r>
             <a:r>
-              <a:rPr lang="pt-BR" sz="1600" dirty="0"/>
+              <a:rPr lang="pt-BR" sz="1050" dirty="0"/>
               <a:t>]-[</a:t>
             </a:r>
             <a:r>
-              <a:rPr lang="pt-BR" sz="1600" dirty="0" err="1"/>
+              <a:rPr lang="pt-BR" sz="1050" dirty="0" err="1"/>
               <a:t>Journ</a:t>
             </a:r>
             <a:r>
-              <a:rPr lang="pt-BR" sz="1600" dirty="0"/>
+              <a:rPr lang="pt-BR" sz="1050" dirty="0"/>
               <a:t>/</a:t>
             </a:r>
             <a:r>
-              <a:rPr lang="pt-BR" sz="1600" dirty="0" err="1"/>
+              <a:rPr lang="pt-BR" sz="1050" dirty="0" err="1"/>
               <a:t>Conf</a:t>
             </a:r>
             <a:r>
-              <a:rPr lang="pt-BR" sz="1600" dirty="0"/>
+              <a:rPr lang="pt-BR" sz="1050" dirty="0"/>
+              <a:t> </a:t>
+            </a:r>
+            <a:r>
+              <a:rPr lang="pt-BR" sz="1050" dirty="0" err="1"/>
+              <a:t>Initials</a:t>
+            </a:r>
+            <a:r>
+              <a:rPr lang="pt-BR" sz="1050" dirty="0"/>
               <a:t>]-[</a:t>
             </a:r>
             <a:r>
-              <a:rPr lang="pt-BR" sz="1600" dirty="0" err="1"/>
+              <a:rPr lang="pt-BR" sz="1050" dirty="0" err="1"/>
               <a:t>Paper-Title</a:t>
             </a:r>
             <a:r>
-              <a:rPr lang="pt-BR" sz="1600" dirty="0"/>
+              <a:rPr lang="pt-BR" sz="1050" dirty="0"/>
               <a:t>]/</a:t>
             </a:r>
           </a:p>
           <a:p>
-            <a:pPr marL="457200" lvl="1" indent="0">
+            <a:pPr marL="920750" lvl="2" indent="0">
               <a:buNone/>
             </a:pPr>
             <a:r>
-              <a:rPr lang="pt-BR" sz="1800" dirty="0"/>
-              <a:t>DATA/</a:t>
-            </a:r>
-          </a:p>
-          <a:p>
-            <a:pPr marL="1168400" lvl="2" indent="0">
+              <a:rPr lang="pt-BR" sz="1100" dirty="0"/>
+              <a:t>DATASET/</a:t>
+            </a:r>
+          </a:p>
+          <a:p>
+            <a:pPr marL="1612900" lvl="3" indent="0">
               <a:buNone/>
             </a:pPr>
             <a:r>
-              <a:rPr lang="pt-BR" sz="1600" dirty="0"/>
+              <a:rPr lang="pt-BR" sz="1050" dirty="0"/>
               <a:t>[</a:t>
             </a:r>
             <a:r>
-              <a:rPr lang="pt-BR" sz="1600" dirty="0" err="1"/>
-              <a:t>Dataset</a:t>
-            </a:r>
-            <a:r>
-              <a:rPr lang="pt-BR" sz="1600" dirty="0"/>
-              <a:t> ID]/</a:t>
-            </a:r>
-          </a:p>
-          <a:p>
-            <a:pPr marL="457200" lvl="1" indent="0">
+              <a:rPr lang="pt-BR" sz="1050" dirty="0" err="1"/>
+              <a:t>Identification</a:t>
+            </a:r>
+            <a:r>
+              <a:rPr lang="pt-BR" sz="1050" dirty="0"/>
+              <a:t>]/</a:t>
+            </a:r>
+          </a:p>
+          <a:p>
+            <a:pPr marL="920750" lvl="2" indent="0">
               <a:buNone/>
             </a:pPr>
             <a:r>
-              <a:rPr lang="pt-BR" sz="1800" dirty="0"/>
+              <a:rPr lang="pt-BR" sz="1100" dirty="0"/>
               <a:t>CODE/</a:t>
             </a:r>
           </a:p>
           <a:p>
-            <a:pPr marL="1168400" lvl="2" indent="0">
+            <a:pPr marL="1612900" lvl="3" indent="0">
               <a:buNone/>
             </a:pPr>
             <a:r>
-              <a:rPr lang="pt-BR" sz="1600" dirty="0"/>
+              <a:rPr lang="pt-BR" sz="1050" dirty="0"/>
               <a:t>[</a:t>
             </a:r>
             <a:r>
-              <a:rPr lang="pt-BR" sz="1600" dirty="0" err="1"/>
+              <a:rPr lang="pt-BR" sz="1050" dirty="0" err="1"/>
               <a:t>Identification</a:t>
             </a:r>
             <a:r>
-              <a:rPr lang="pt-BR" sz="1600" dirty="0"/>
+              <a:rPr lang="pt-BR" sz="1050" dirty="0"/>
               <a:t>]/</a:t>
+            </a:r>
+          </a:p>
+          <a:p>
+            <a:pPr marL="0" lvl="2" indent="0">
+              <a:buNone/>
+            </a:pPr>
+            <a:endParaRPr lang="pt-BR" sz="1100" dirty="0"/>
+          </a:p>
+          <a:p>
+            <a:pPr marL="0" lvl="2" indent="0">
+              <a:buNone/>
+            </a:pPr>
+            <a:r>
+              <a:rPr lang="pt-BR" sz="1100" dirty="0"/>
+              <a:t>PROJECT/</a:t>
+            </a:r>
+          </a:p>
+          <a:p>
+            <a:pPr marL="449263" lvl="2" indent="0">
+              <a:buNone/>
+            </a:pPr>
+            <a:r>
+              <a:rPr lang="pt-BR" sz="1100" dirty="0"/>
+              <a:t>[</a:t>
+            </a:r>
+            <a:r>
+              <a:rPr lang="pt-BR" sz="1100" dirty="0" err="1"/>
+              <a:t>yyyy</a:t>
+            </a:r>
+            <a:r>
+              <a:rPr lang="pt-BR" sz="1100" dirty="0"/>
+              <a:t>]-[</a:t>
+            </a:r>
+            <a:r>
+              <a:rPr lang="pt-BR" sz="1100" dirty="0" err="1"/>
+              <a:t>Identification</a:t>
+            </a:r>
+            <a:r>
+              <a:rPr lang="pt-BR" sz="1100" dirty="0"/>
+              <a:t>]/</a:t>
+            </a:r>
+          </a:p>
+          <a:p>
+            <a:pPr marL="896938" lvl="2" indent="0">
+              <a:buNone/>
+            </a:pPr>
+            <a:r>
+              <a:rPr lang="pt-BR" sz="1100" dirty="0"/>
+              <a:t>REPORT/</a:t>
+            </a:r>
+          </a:p>
+          <a:p>
+            <a:pPr marL="896938" lvl="2" indent="0">
+              <a:buNone/>
+            </a:pPr>
+            <a:r>
+              <a:rPr lang="pt-BR" sz="1100" dirty="0"/>
+              <a:t>CODE/</a:t>
+            </a:r>
+          </a:p>
+          <a:p>
+            <a:pPr marL="896938" lvl="2" indent="0">
+              <a:buNone/>
+            </a:pPr>
+            <a:r>
+              <a:rPr lang="pt-BR" sz="1100" dirty="0"/>
+              <a:t>DATASET/</a:t>
+            </a:r>
+          </a:p>
+          <a:p>
+            <a:pPr marL="896938" lvl="2" indent="0">
+              <a:buNone/>
+            </a:pPr>
+            <a:r>
+              <a:rPr lang="pt-BR" sz="1100" dirty="0"/>
+              <a:t>PAPER/</a:t>
+            </a:r>
+          </a:p>
+          <a:p>
+            <a:pPr marL="896938" lvl="2" indent="0">
+              <a:buNone/>
+            </a:pPr>
+            <a:r>
+              <a:rPr lang="pt-BR" sz="1100" dirty="0"/>
+              <a:t>...</a:t>
             </a:r>
           </a:p>
         </p:txBody>
@@ -9974,8 +10008,8 @@
         </p:nvSpPr>
         <p:spPr>
           <a:xfrm>
-            <a:off x="5665559" y="2389525"/>
-            <a:ext cx="6180365" cy="3631763"/>
+            <a:off x="5750226" y="1476815"/>
+            <a:ext cx="6180365" cy="4093428"/>
           </a:xfrm>
           <a:prstGeom prst="rect">
             <a:avLst/>
@@ -10002,7 +10036,7 @@
                 <a:latin typeface="Arial" panose="020B0604020202020204" pitchFamily="34" charset="0"/>
                 <a:cs typeface="Arial" panose="020B0604020202020204" pitchFamily="34" charset="0"/>
               </a:rPr>
-              <a:t>General ideias</a:t>
+              <a:t>Ideias</a:t>
             </a:r>
           </a:p>
           <a:p>
@@ -10432,6 +10466,26 @@
                 <a:latin typeface="Arial" panose="020B0604020202020204" pitchFamily="34" charset="0"/>
                 <a:cs typeface="Arial" panose="020B0604020202020204" pitchFamily="34" charset="0"/>
               </a:rPr>
+              <a:t>Regarding</a:t>
+            </a:r>
+            <a:r>
+              <a:rPr lang="pt-BR" sz="1600" b="0" dirty="0">
+                <a:solidFill>
+                  <a:schemeClr val="tx1"/>
+                </a:solidFill>
+                <a:latin typeface="Arial" panose="020B0604020202020204" pitchFamily="34" charset="0"/>
+                <a:cs typeface="Arial" panose="020B0604020202020204" pitchFamily="34" charset="0"/>
+              </a:rPr>
+              <a:t> </a:t>
+            </a:r>
+            <a:r>
+              <a:rPr lang="pt-BR" sz="1600" b="0" dirty="0" err="1">
+                <a:solidFill>
+                  <a:schemeClr val="tx1"/>
+                </a:solidFill>
+                <a:latin typeface="Arial" panose="020B0604020202020204" pitchFamily="34" charset="0"/>
+                <a:cs typeface="Arial" panose="020B0604020202020204" pitchFamily="34" charset="0"/>
+              </a:rPr>
               <a:t>Code</a:t>
             </a:r>
             <a:r>
@@ -10439,14 +10493,23 @@
                 <a:latin typeface="Arial" panose="020B0604020202020204" pitchFamily="34" charset="0"/>
                 <a:cs typeface="Arial" panose="020B0604020202020204" pitchFamily="34" charset="0"/>
               </a:rPr>
-              <a:t>: </a:t>
+              <a:t>:</a:t>
+            </a:r>
+          </a:p>
+          <a:p>
+            <a:r>
+              <a:rPr lang="pt-BR" sz="1600" dirty="0">
+                <a:latin typeface="Arial" panose="020B0604020202020204" pitchFamily="34" charset="0"/>
+                <a:cs typeface="Arial" panose="020B0604020202020204" pitchFamily="34" charset="0"/>
+              </a:rPr>
+              <a:t>	- </a:t>
             </a:r>
             <a:r>
               <a:rPr lang="pt-BR" sz="1600" dirty="0" err="1">
                 <a:latin typeface="Arial" panose="020B0604020202020204" pitchFamily="34" charset="0"/>
                 <a:cs typeface="Arial" panose="020B0604020202020204" pitchFamily="34" charset="0"/>
               </a:rPr>
-              <a:t>prefer</a:t>
+              <a:t>Prefer</a:t>
             </a:r>
             <a:r>
               <a:rPr lang="pt-BR" sz="1600" dirty="0">
@@ -10495,12 +10558,67 @@
                 <a:latin typeface="Arial" panose="020B0604020202020204" pitchFamily="34" charset="0"/>
                 <a:cs typeface="Arial" panose="020B0604020202020204" pitchFamily="34" charset="0"/>
               </a:rPr>
-              <a:t>. </a:t>
-            </a:r>
-            <a:endParaRPr lang="pt-BR" sz="1600" b="0" dirty="0">
-              <a:solidFill>
-                <a:schemeClr val="tx1"/>
-              </a:solidFill>
+              <a:t>.</a:t>
+            </a:r>
+          </a:p>
+          <a:p>
+            <a:r>
+              <a:rPr lang="pt-BR" sz="1600" dirty="0">
+                <a:latin typeface="Arial" panose="020B0604020202020204" pitchFamily="34" charset="0"/>
+                <a:cs typeface="Arial" panose="020B0604020202020204" pitchFamily="34" charset="0"/>
+              </a:rPr>
+              <a:t>	- Checkout </a:t>
+            </a:r>
+            <a:r>
+              <a:rPr lang="pt-BR" sz="1600" dirty="0" err="1">
+                <a:latin typeface="Arial" panose="020B0604020202020204" pitchFamily="34" charset="0"/>
+                <a:cs typeface="Arial" panose="020B0604020202020204" pitchFamily="34" charset="0"/>
+              </a:rPr>
+              <a:t>the</a:t>
+            </a:r>
+            <a:r>
+              <a:rPr lang="pt-BR" sz="1600" dirty="0">
+                <a:latin typeface="Arial" panose="020B0604020202020204" pitchFamily="34" charset="0"/>
+                <a:cs typeface="Arial" panose="020B0604020202020204" pitchFamily="34" charset="0"/>
+              </a:rPr>
+              <a:t> </a:t>
+            </a:r>
+            <a:r>
+              <a:rPr lang="pt-BR" sz="1600" dirty="0" err="1">
+                <a:latin typeface="Arial" panose="020B0604020202020204" pitchFamily="34" charset="0"/>
+                <a:cs typeface="Arial" panose="020B0604020202020204" pitchFamily="34" charset="0"/>
+              </a:rPr>
+              <a:t>latest</a:t>
+            </a:r>
+            <a:r>
+              <a:rPr lang="pt-BR" sz="1600" dirty="0">
+                <a:latin typeface="Arial" panose="020B0604020202020204" pitchFamily="34" charset="0"/>
+                <a:cs typeface="Arial" panose="020B0604020202020204" pitchFamily="34" charset="0"/>
+              </a:rPr>
+              <a:t> </a:t>
+            </a:r>
+            <a:r>
+              <a:rPr lang="pt-BR" sz="1600" dirty="0" err="1">
+                <a:latin typeface="Arial" panose="020B0604020202020204" pitchFamily="34" charset="0"/>
+                <a:cs typeface="Arial" panose="020B0604020202020204" pitchFamily="34" charset="0"/>
+              </a:rPr>
+              <a:t>version</a:t>
+            </a:r>
+            <a:r>
+              <a:rPr lang="pt-BR" sz="1600" dirty="0">
+                <a:latin typeface="Arial" panose="020B0604020202020204" pitchFamily="34" charset="0"/>
+                <a:cs typeface="Arial" panose="020B0604020202020204" pitchFamily="34" charset="0"/>
+              </a:rPr>
+              <a:t> in CODE/ </a:t>
+            </a:r>
+            <a:r>
+              <a:rPr lang="pt-BR" sz="1600" dirty="0" err="1">
+                <a:latin typeface="Arial" panose="020B0604020202020204" pitchFamily="34" charset="0"/>
+                <a:cs typeface="Arial" panose="020B0604020202020204" pitchFamily="34" charset="0"/>
+              </a:rPr>
+              <a:t>directory</a:t>
+            </a:r>
+            <a:endParaRPr lang="pt-BR" sz="1600" dirty="0">
               <a:latin typeface="Arial" panose="020B0604020202020204" pitchFamily="34" charset="0"/>
               <a:cs typeface="Arial" panose="020B0604020202020204" pitchFamily="34" charset="0"/>
             </a:endParaRPr>
@@ -10699,8 +10817,8 @@
           </a:p>
         </p:txBody>
       </p:sp>
-      <mc:AlternateContent xmlns:mc="http://schemas.openxmlformats.org/markup-compatibility/2006">
-        <mc:Choice xmlns:a14="http://schemas.microsoft.com/office/drawing/2010/main" Requires="a14">
+      <mc:AlternateContent xmlns:mc="http://schemas.openxmlformats.org/markup-compatibility/2006" xmlns:a14="http://schemas.microsoft.com/office/drawing/2010/main">
+        <mc:Choice Requires="a14">
           <p:sp>
             <p:nvSpPr>
               <p:cNvPr id="3" name="Content Placeholder 2">
@@ -10969,7 +11087,7 @@
             </p:txBody>
           </p:sp>
         </mc:Choice>
-        <mc:Fallback>
+        <mc:Fallback xmlns="">
           <p:sp>
             <p:nvSpPr>
               <p:cNvPr id="3" name="Content Placeholder 2">
